--- a/Prezenatce/00_RISC-CISC.pptx
+++ b/Prezenatce/00_RISC-CISC.pptx
@@ -337,7 +337,7 @@
           <a:p>
             <a:fld id="{34D7A71B-1D7D-4A0A-812E-C4AFC78862C9}" type="datetimeFigureOut">
               <a:rPr lang="en-US" smtClean="0"/>
-              <a:t>6/10/2025</a:t>
+              <a:t>6/11/2025</a:t>
             </a:fld>
             <a:endParaRPr lang="en-US"/>
           </a:p>
@@ -518,7 +518,7 @@
           <a:p>
             <a:fld id="{841957C9-6F4C-4461-846C-A24FE1177DF7}" type="datetimeFigureOut">
               <a:rPr lang="en-US" smtClean="0"/>
-              <a:t>6/10/2025</a:t>
+              <a:t>6/11/2025</a:t>
             </a:fld>
             <a:endParaRPr lang="en-US"/>
           </a:p>
@@ -846,7 +846,7 @@
           <a:noFill/>
           <a:extLst>
             <a:ext uri="{909E8E84-426E-40dd-AFC4-6F175D3DCCD1}">
-              <a14:hiddenFill xmlns:a14="http://schemas.microsoft.com/office/drawing/2010/main" xmlns="">
+              <a14:hiddenFill xmlns="" xmlns:a14="http://schemas.microsoft.com/office/drawing/2010/main">
                 <a:solidFill>
                   <a:srgbClr val="FFFFFF"/>
                 </a:solidFill>
@@ -905,7 +905,7 @@
             </a:ln>
             <a:extLst>
               <a:ext uri="{91240B29-F687-4f45-9708-019B960494DF}">
-                <a14:hiddenLine xmlns:a14="http://schemas.microsoft.com/office/drawing/2010/main" xmlns="" w="9525">
+                <a14:hiddenLine xmlns="" xmlns:a14="http://schemas.microsoft.com/office/drawing/2010/main" w="9525">
                   <a:solidFill>
                     <a:srgbClr val="000000"/>
                   </a:solidFill>
@@ -995,7 +995,7 @@
             </a:ln>
             <a:extLst>
               <a:ext uri="{91240B29-F687-4f45-9708-019B960494DF}">
-                <a14:hiddenLine xmlns:a14="http://schemas.microsoft.com/office/drawing/2010/main" xmlns="" w="9525">
+                <a14:hiddenLine xmlns="" xmlns:a14="http://schemas.microsoft.com/office/drawing/2010/main" w="9525">
                   <a:solidFill>
                     <a:srgbClr val="000000"/>
                   </a:solidFill>
@@ -1085,7 +1085,7 @@
             </a:ln>
             <a:extLst>
               <a:ext uri="{91240B29-F687-4f45-9708-019B960494DF}">
-                <a14:hiddenLine xmlns:a14="http://schemas.microsoft.com/office/drawing/2010/main" xmlns="" w="9525">
+                <a14:hiddenLine xmlns="" xmlns:a14="http://schemas.microsoft.com/office/drawing/2010/main" w="9525">
                   <a:solidFill>
                     <a:srgbClr val="000000"/>
                   </a:solidFill>
@@ -1119,7 +1119,7 @@
             </a:ln>
             <a:extLst>
               <a:ext uri="{91240B29-F687-4f45-9708-019B960494DF}">
-                <a14:hiddenLine xmlns:a14="http://schemas.microsoft.com/office/drawing/2010/main" xmlns="" w="9525">
+                <a14:hiddenLine xmlns="" xmlns:a14="http://schemas.microsoft.com/office/drawing/2010/main" w="9525">
                   <a:solidFill>
                     <a:srgbClr val="000000"/>
                   </a:solidFill>
@@ -1209,7 +1209,7 @@
             </a:ln>
             <a:extLst>
               <a:ext uri="{91240B29-F687-4f45-9708-019B960494DF}">
-                <a14:hiddenLine xmlns:a14="http://schemas.microsoft.com/office/drawing/2010/main" xmlns="" w="9525">
+                <a14:hiddenLine xmlns="" xmlns:a14="http://schemas.microsoft.com/office/drawing/2010/main" w="9525">
                   <a:solidFill>
                     <a:srgbClr val="000000"/>
                   </a:solidFill>
@@ -1271,7 +1271,7 @@
             </a:ln>
             <a:extLst>
               <a:ext uri="{91240B29-F687-4f45-9708-019B960494DF}">
-                <a14:hiddenLine xmlns:a14="http://schemas.microsoft.com/office/drawing/2010/main" xmlns="" w="9525">
+                <a14:hiddenLine xmlns="" xmlns:a14="http://schemas.microsoft.com/office/drawing/2010/main" w="9525">
                   <a:solidFill>
                     <a:srgbClr val="000000"/>
                   </a:solidFill>
@@ -1333,7 +1333,7 @@
             </a:ln>
             <a:extLst>
               <a:ext uri="{91240B29-F687-4f45-9708-019B960494DF}">
-                <a14:hiddenLine xmlns:a14="http://schemas.microsoft.com/office/drawing/2010/main" xmlns="" w="9525">
+                <a14:hiddenLine xmlns="" xmlns:a14="http://schemas.microsoft.com/office/drawing/2010/main" w="9525">
                   <a:solidFill>
                     <a:srgbClr val="000000"/>
                   </a:solidFill>
@@ -1423,7 +1423,7 @@
             </a:ln>
             <a:extLst>
               <a:ext uri="{91240B29-F687-4f45-9708-019B960494DF}">
-                <a14:hiddenLine xmlns:a14="http://schemas.microsoft.com/office/drawing/2010/main" xmlns="" w="9525">
+                <a14:hiddenLine xmlns="" xmlns:a14="http://schemas.microsoft.com/office/drawing/2010/main" w="9525">
                   <a:solidFill>
                     <a:srgbClr val="000000"/>
                   </a:solidFill>
@@ -1485,7 +1485,7 @@
             </a:ln>
             <a:extLst>
               <a:ext uri="{91240B29-F687-4f45-9708-019B960494DF}">
-                <a14:hiddenLine xmlns:a14="http://schemas.microsoft.com/office/drawing/2010/main" xmlns="" w="9525">
+                <a14:hiddenLine xmlns="" xmlns:a14="http://schemas.microsoft.com/office/drawing/2010/main" w="9525">
                   <a:solidFill>
                     <a:srgbClr val="000000"/>
                   </a:solidFill>
@@ -1547,7 +1547,7 @@
             </a:ln>
             <a:extLst>
               <a:ext uri="{91240B29-F687-4f45-9708-019B960494DF}">
-                <a14:hiddenLine xmlns:a14="http://schemas.microsoft.com/office/drawing/2010/main" xmlns="" w="9525">
+                <a14:hiddenLine xmlns="" xmlns:a14="http://schemas.microsoft.com/office/drawing/2010/main" w="9525">
                   <a:solidFill>
                     <a:srgbClr val="000000"/>
                   </a:solidFill>
@@ -1637,7 +1637,7 @@
             </a:ln>
             <a:extLst>
               <a:ext uri="{91240B29-F687-4f45-9708-019B960494DF}">
-                <a14:hiddenLine xmlns:a14="http://schemas.microsoft.com/office/drawing/2010/main" xmlns="" w="9525">
+                <a14:hiddenLine xmlns="" xmlns:a14="http://schemas.microsoft.com/office/drawing/2010/main" w="9525">
                   <a:solidFill>
                     <a:srgbClr val="000000"/>
                   </a:solidFill>
@@ -1727,7 +1727,7 @@
             </a:ln>
             <a:extLst>
               <a:ext uri="{91240B29-F687-4f45-9708-019B960494DF}">
-                <a14:hiddenLine xmlns:a14="http://schemas.microsoft.com/office/drawing/2010/main" xmlns="" w="9525">
+                <a14:hiddenLine xmlns="" xmlns:a14="http://schemas.microsoft.com/office/drawing/2010/main" w="9525">
                   <a:solidFill>
                     <a:srgbClr val="000000"/>
                   </a:solidFill>
@@ -1789,7 +1789,7 @@
             </a:ln>
             <a:extLst>
               <a:ext uri="{91240B29-F687-4f45-9708-019B960494DF}">
-                <a14:hiddenLine xmlns:a14="http://schemas.microsoft.com/office/drawing/2010/main" xmlns="" w="9525">
+                <a14:hiddenLine xmlns="" xmlns:a14="http://schemas.microsoft.com/office/drawing/2010/main" w="9525">
                   <a:solidFill>
                     <a:srgbClr val="000000"/>
                   </a:solidFill>
@@ -1899,7 +1899,7 @@
             </a:ln>
             <a:extLst>
               <a:ext uri="{91240B29-F687-4f45-9708-019B960494DF}">
-                <a14:hiddenLine xmlns:a14="http://schemas.microsoft.com/office/drawing/2010/main" xmlns="" w="9525">
+                <a14:hiddenLine xmlns="" xmlns:a14="http://schemas.microsoft.com/office/drawing/2010/main" w="9525">
                   <a:solidFill>
                     <a:srgbClr val="000000"/>
                   </a:solidFill>
@@ -1961,7 +1961,7 @@
             </a:ln>
             <a:extLst>
               <a:ext uri="{91240B29-F687-4f45-9708-019B960494DF}">
-                <a14:hiddenLine xmlns:a14="http://schemas.microsoft.com/office/drawing/2010/main" xmlns="" w="9525">
+                <a14:hiddenLine xmlns="" xmlns:a14="http://schemas.microsoft.com/office/drawing/2010/main" w="9525">
                   <a:solidFill>
                     <a:srgbClr val="000000"/>
                   </a:solidFill>
@@ -2051,7 +2051,7 @@
             </a:ln>
             <a:extLst>
               <a:ext uri="{91240B29-F687-4f45-9708-019B960494DF}">
-                <a14:hiddenLine xmlns:a14="http://schemas.microsoft.com/office/drawing/2010/main" xmlns="" w="9525">
+                <a14:hiddenLine xmlns="" xmlns:a14="http://schemas.microsoft.com/office/drawing/2010/main" w="9525">
                   <a:solidFill>
                     <a:srgbClr val="000000"/>
                   </a:solidFill>
@@ -2141,7 +2141,7 @@
             </a:ln>
             <a:extLst>
               <a:ext uri="{91240B29-F687-4f45-9708-019B960494DF}">
-                <a14:hiddenLine xmlns:a14="http://schemas.microsoft.com/office/drawing/2010/main" xmlns="" w="9525">
+                <a14:hiddenLine xmlns="" xmlns:a14="http://schemas.microsoft.com/office/drawing/2010/main" w="9525">
                   <a:solidFill>
                     <a:srgbClr val="000000"/>
                   </a:solidFill>
@@ -2203,7 +2203,7 @@
             </a:ln>
             <a:extLst>
               <a:ext uri="{91240B29-F687-4f45-9708-019B960494DF}">
-                <a14:hiddenLine xmlns:a14="http://schemas.microsoft.com/office/drawing/2010/main" xmlns="" w="9525">
+                <a14:hiddenLine xmlns="" xmlns:a14="http://schemas.microsoft.com/office/drawing/2010/main" w="9525">
                   <a:solidFill>
                     <a:srgbClr val="000000"/>
                   </a:solidFill>
@@ -2293,7 +2293,7 @@
             </a:ln>
             <a:extLst>
               <a:ext uri="{91240B29-F687-4f45-9708-019B960494DF}">
-                <a14:hiddenLine xmlns:a14="http://schemas.microsoft.com/office/drawing/2010/main" xmlns="" w="9525">
+                <a14:hiddenLine xmlns="" xmlns:a14="http://schemas.microsoft.com/office/drawing/2010/main" w="9525">
                   <a:solidFill>
                     <a:srgbClr val="000000"/>
                   </a:solidFill>
@@ -2383,7 +2383,7 @@
             </a:ln>
             <a:extLst>
               <a:ext uri="{91240B29-F687-4f45-9708-019B960494DF}">
-                <a14:hiddenLine xmlns:a14="http://schemas.microsoft.com/office/drawing/2010/main" xmlns="" w="9525">
+                <a14:hiddenLine xmlns="" xmlns:a14="http://schemas.microsoft.com/office/drawing/2010/main" w="9525">
                   <a:solidFill>
                     <a:srgbClr val="000000"/>
                   </a:solidFill>
@@ -2439,7 +2439,7 @@
             </a:ln>
             <a:extLst>
               <a:ext uri="{91240B29-F687-4f45-9708-019B960494DF}">
-                <a14:hiddenLine xmlns:a14="http://schemas.microsoft.com/office/drawing/2010/main" xmlns="" w="9525">
+                <a14:hiddenLine xmlns="" xmlns:a14="http://schemas.microsoft.com/office/drawing/2010/main" w="9525">
                   <a:solidFill>
                     <a:srgbClr val="000000"/>
                   </a:solidFill>
@@ -2529,7 +2529,7 @@
             </a:ln>
             <a:extLst>
               <a:ext uri="{91240B29-F687-4f45-9708-019B960494DF}">
-                <a14:hiddenLine xmlns:a14="http://schemas.microsoft.com/office/drawing/2010/main" xmlns="" w="9525">
+                <a14:hiddenLine xmlns="" xmlns:a14="http://schemas.microsoft.com/office/drawing/2010/main" w="9525">
                   <a:solidFill>
                     <a:srgbClr val="000000"/>
                   </a:solidFill>
@@ -2585,7 +2585,7 @@
             </a:ln>
             <a:extLst>
               <a:ext uri="{91240B29-F687-4f45-9708-019B960494DF}">
-                <a14:hiddenLine xmlns:a14="http://schemas.microsoft.com/office/drawing/2010/main" xmlns="" w="9525">
+                <a14:hiddenLine xmlns="" xmlns:a14="http://schemas.microsoft.com/office/drawing/2010/main" w="9525">
                   <a:solidFill>
                     <a:srgbClr val="000000"/>
                   </a:solidFill>
@@ -2675,7 +2675,7 @@
             </a:ln>
             <a:extLst>
               <a:ext uri="{91240B29-F687-4f45-9708-019B960494DF}">
-                <a14:hiddenLine xmlns:a14="http://schemas.microsoft.com/office/drawing/2010/main" xmlns="" w="9525">
+                <a14:hiddenLine xmlns="" xmlns:a14="http://schemas.microsoft.com/office/drawing/2010/main" w="9525">
                   <a:solidFill>
                     <a:srgbClr val="000000"/>
                   </a:solidFill>
@@ -2743,7 +2743,7 @@
             </a:ln>
             <a:extLst>
               <a:ext uri="{91240B29-F687-4f45-9708-019B960494DF}">
-                <a14:hiddenLine xmlns:a14="http://schemas.microsoft.com/office/drawing/2010/main" xmlns="" w="9525">
+                <a14:hiddenLine xmlns="" xmlns:a14="http://schemas.microsoft.com/office/drawing/2010/main" w="9525">
                   <a:solidFill>
                     <a:srgbClr val="000000"/>
                   </a:solidFill>
@@ -2833,7 +2833,7 @@
             </a:ln>
             <a:extLst>
               <a:ext uri="{91240B29-F687-4f45-9708-019B960494DF}">
-                <a14:hiddenLine xmlns:a14="http://schemas.microsoft.com/office/drawing/2010/main" xmlns="" w="9525">
+                <a14:hiddenLine xmlns="" xmlns:a14="http://schemas.microsoft.com/office/drawing/2010/main" w="9525">
                   <a:solidFill>
                     <a:srgbClr val="000000"/>
                   </a:solidFill>
@@ -2901,7 +2901,7 @@
             </a:ln>
             <a:extLst>
               <a:ext uri="{91240B29-F687-4f45-9708-019B960494DF}">
-                <a14:hiddenLine xmlns:a14="http://schemas.microsoft.com/office/drawing/2010/main" xmlns="" w="9525">
+                <a14:hiddenLine xmlns="" xmlns:a14="http://schemas.microsoft.com/office/drawing/2010/main" w="9525">
                   <a:solidFill>
                     <a:srgbClr val="000000"/>
                   </a:solidFill>
@@ -2991,7 +2991,7 @@
             </a:ln>
             <a:extLst>
               <a:ext uri="{91240B29-F687-4f45-9708-019B960494DF}">
-                <a14:hiddenLine xmlns:a14="http://schemas.microsoft.com/office/drawing/2010/main" xmlns="" w="9525">
+                <a14:hiddenLine xmlns="" xmlns:a14="http://schemas.microsoft.com/office/drawing/2010/main" w="9525">
                   <a:solidFill>
                     <a:srgbClr val="000000"/>
                   </a:solidFill>
@@ -3025,7 +3025,7 @@
             </a:ln>
             <a:extLst>
               <a:ext uri="{91240B29-F687-4f45-9708-019B960494DF}">
-                <a14:hiddenLine xmlns:a14="http://schemas.microsoft.com/office/drawing/2010/main" xmlns="" w="9525">
+                <a14:hiddenLine xmlns="" xmlns:a14="http://schemas.microsoft.com/office/drawing/2010/main" w="9525">
                   <a:solidFill>
                     <a:srgbClr val="000000"/>
                   </a:solidFill>
@@ -3115,7 +3115,7 @@
             </a:ln>
             <a:extLst>
               <a:ext uri="{91240B29-F687-4f45-9708-019B960494DF}">
-                <a14:hiddenLine xmlns:a14="http://schemas.microsoft.com/office/drawing/2010/main" xmlns="" w="9525">
+                <a14:hiddenLine xmlns="" xmlns:a14="http://schemas.microsoft.com/office/drawing/2010/main" w="9525">
                   <a:solidFill>
                     <a:srgbClr val="000000"/>
                   </a:solidFill>
@@ -3177,7 +3177,7 @@
             </a:ln>
             <a:extLst>
               <a:ext uri="{91240B29-F687-4f45-9708-019B960494DF}">
-                <a14:hiddenLine xmlns:a14="http://schemas.microsoft.com/office/drawing/2010/main" xmlns="" w="9525">
+                <a14:hiddenLine xmlns="" xmlns:a14="http://schemas.microsoft.com/office/drawing/2010/main" w="9525">
                   <a:solidFill>
                     <a:srgbClr val="000000"/>
                   </a:solidFill>
@@ -3239,7 +3239,7 @@
             </a:ln>
             <a:extLst>
               <a:ext uri="{91240B29-F687-4f45-9708-019B960494DF}">
-                <a14:hiddenLine xmlns:a14="http://schemas.microsoft.com/office/drawing/2010/main" xmlns="" w="9525">
+                <a14:hiddenLine xmlns="" xmlns:a14="http://schemas.microsoft.com/office/drawing/2010/main" w="9525">
                   <a:solidFill>
                     <a:srgbClr val="000000"/>
                   </a:solidFill>
@@ -3329,7 +3329,7 @@
             </a:ln>
             <a:extLst>
               <a:ext uri="{91240B29-F687-4f45-9708-019B960494DF}">
-                <a14:hiddenLine xmlns:a14="http://schemas.microsoft.com/office/drawing/2010/main" xmlns="" w="9525">
+                <a14:hiddenLine xmlns="" xmlns:a14="http://schemas.microsoft.com/office/drawing/2010/main" w="9525">
                   <a:solidFill>
                     <a:srgbClr val="000000"/>
                   </a:solidFill>
@@ -3397,7 +3397,7 @@
             </a:ln>
             <a:extLst>
               <a:ext uri="{91240B29-F687-4f45-9708-019B960494DF}">
-                <a14:hiddenLine xmlns:a14="http://schemas.microsoft.com/office/drawing/2010/main" xmlns="" w="9525">
+                <a14:hiddenLine xmlns="" xmlns:a14="http://schemas.microsoft.com/office/drawing/2010/main" w="9525">
                   <a:solidFill>
                     <a:srgbClr val="000000"/>
                   </a:solidFill>
@@ -3459,7 +3459,7 @@
             </a:ln>
             <a:extLst>
               <a:ext uri="{91240B29-F687-4f45-9708-019B960494DF}">
-                <a14:hiddenLine xmlns:a14="http://schemas.microsoft.com/office/drawing/2010/main" xmlns="" w="9525">
+                <a14:hiddenLine xmlns="" xmlns:a14="http://schemas.microsoft.com/office/drawing/2010/main" w="9525">
                   <a:solidFill>
                     <a:srgbClr val="000000"/>
                   </a:solidFill>
@@ -3549,7 +3549,7 @@
             </a:ln>
             <a:extLst>
               <a:ext uri="{91240B29-F687-4f45-9708-019B960494DF}">
-                <a14:hiddenLine xmlns:a14="http://schemas.microsoft.com/office/drawing/2010/main" xmlns="" w="9525">
+                <a14:hiddenLine xmlns="" xmlns:a14="http://schemas.microsoft.com/office/drawing/2010/main" w="9525">
                   <a:solidFill>
                     <a:srgbClr val="000000"/>
                   </a:solidFill>
@@ -3611,7 +3611,7 @@
             </a:ln>
             <a:extLst>
               <a:ext uri="{91240B29-F687-4f45-9708-019B960494DF}">
-                <a14:hiddenLine xmlns:a14="http://schemas.microsoft.com/office/drawing/2010/main" xmlns="" w="9525">
+                <a14:hiddenLine xmlns="" xmlns:a14="http://schemas.microsoft.com/office/drawing/2010/main" w="9525">
                   <a:solidFill>
                     <a:srgbClr val="000000"/>
                   </a:solidFill>
@@ -3701,7 +3701,7 @@
             </a:ln>
             <a:extLst>
               <a:ext uri="{91240B29-F687-4f45-9708-019B960494DF}">
-                <a14:hiddenLine xmlns:a14="http://schemas.microsoft.com/office/drawing/2010/main" xmlns="" w="9525">
+                <a14:hiddenLine xmlns="" xmlns:a14="http://schemas.microsoft.com/office/drawing/2010/main" w="9525">
                   <a:solidFill>
                     <a:srgbClr val="000000"/>
                   </a:solidFill>
@@ -3763,7 +3763,7 @@
             </a:ln>
             <a:extLst>
               <a:ext uri="{91240B29-F687-4f45-9708-019B960494DF}">
-                <a14:hiddenLine xmlns:a14="http://schemas.microsoft.com/office/drawing/2010/main" xmlns="" w="9525">
+                <a14:hiddenLine xmlns="" xmlns:a14="http://schemas.microsoft.com/office/drawing/2010/main" w="9525">
                   <a:solidFill>
                     <a:srgbClr val="000000"/>
                   </a:solidFill>
@@ -3853,7 +3853,7 @@
             </a:ln>
             <a:extLst>
               <a:ext uri="{91240B29-F687-4f45-9708-019B960494DF}">
-                <a14:hiddenLine xmlns:a14="http://schemas.microsoft.com/office/drawing/2010/main" xmlns="" w="9525">
+                <a14:hiddenLine xmlns="" xmlns:a14="http://schemas.microsoft.com/office/drawing/2010/main" w="9525">
                   <a:solidFill>
                     <a:srgbClr val="000000"/>
                   </a:solidFill>
@@ -3887,7 +3887,7 @@
             </a:ln>
             <a:extLst>
               <a:ext uri="{91240B29-F687-4f45-9708-019B960494DF}">
-                <a14:hiddenLine xmlns:a14="http://schemas.microsoft.com/office/drawing/2010/main" xmlns="" w="9525">
+                <a14:hiddenLine xmlns="" xmlns:a14="http://schemas.microsoft.com/office/drawing/2010/main" w="9525">
                   <a:solidFill>
                     <a:srgbClr val="000000"/>
                   </a:solidFill>
@@ -3952,7 +3952,7 @@
             </a:ln>
             <a:extLst>
               <a:ext uri="{91240B29-F687-4f45-9708-019B960494DF}">
-                <a14:hiddenLine xmlns:a14="http://schemas.microsoft.com/office/drawing/2010/main" xmlns="" w="9525">
+                <a14:hiddenLine xmlns="" xmlns:a14="http://schemas.microsoft.com/office/drawing/2010/main" w="9525">
                   <a:solidFill>
                     <a:srgbClr val="000000"/>
                   </a:solidFill>
@@ -4042,7 +4042,7 @@
             </a:ln>
             <a:extLst>
               <a:ext uri="{91240B29-F687-4f45-9708-019B960494DF}">
-                <a14:hiddenLine xmlns:a14="http://schemas.microsoft.com/office/drawing/2010/main" xmlns="" w="9525">
+                <a14:hiddenLine xmlns="" xmlns:a14="http://schemas.microsoft.com/office/drawing/2010/main" w="9525">
                   <a:solidFill>
                     <a:srgbClr val="000000"/>
                   </a:solidFill>
@@ -4104,7 +4104,7 @@
             </a:ln>
             <a:extLst>
               <a:ext uri="{91240B29-F687-4f45-9708-019B960494DF}">
-                <a14:hiddenLine xmlns:a14="http://schemas.microsoft.com/office/drawing/2010/main" xmlns="" w="9525">
+                <a14:hiddenLine xmlns="" xmlns:a14="http://schemas.microsoft.com/office/drawing/2010/main" w="9525">
                   <a:solidFill>
                     <a:srgbClr val="000000"/>
                   </a:solidFill>
@@ -4194,7 +4194,7 @@
             </a:ln>
             <a:extLst>
               <a:ext uri="{91240B29-F687-4f45-9708-019B960494DF}">
-                <a14:hiddenLine xmlns:a14="http://schemas.microsoft.com/office/drawing/2010/main" xmlns="" w="9525">
+                <a14:hiddenLine xmlns="" xmlns:a14="http://schemas.microsoft.com/office/drawing/2010/main" w="9525">
                   <a:solidFill>
                     <a:srgbClr val="000000"/>
                   </a:solidFill>
@@ -4284,7 +4284,7 @@
             </a:ln>
             <a:extLst>
               <a:ext uri="{91240B29-F687-4f45-9708-019B960494DF}">
-                <a14:hiddenLine xmlns:a14="http://schemas.microsoft.com/office/drawing/2010/main" xmlns="" w="9525">
+                <a14:hiddenLine xmlns="" xmlns:a14="http://schemas.microsoft.com/office/drawing/2010/main" w="9525">
                   <a:solidFill>
                     <a:srgbClr val="000000"/>
                   </a:solidFill>
@@ -4349,7 +4349,7 @@
             </a:ln>
             <a:extLst>
               <a:ext uri="{91240B29-F687-4f45-9708-019B960494DF}">
-                <a14:hiddenLine xmlns:a14="http://schemas.microsoft.com/office/drawing/2010/main" xmlns="" w="9525">
+                <a14:hiddenLine xmlns="" xmlns:a14="http://schemas.microsoft.com/office/drawing/2010/main" w="9525">
                   <a:solidFill>
                     <a:srgbClr val="000000"/>
                   </a:solidFill>
@@ -4411,7 +4411,7 @@
             </a:ln>
             <a:extLst>
               <a:ext uri="{91240B29-F687-4f45-9708-019B960494DF}">
-                <a14:hiddenLine xmlns:a14="http://schemas.microsoft.com/office/drawing/2010/main" xmlns="" w="9525">
+                <a14:hiddenLine xmlns="" xmlns:a14="http://schemas.microsoft.com/office/drawing/2010/main" w="9525">
                   <a:solidFill>
                     <a:srgbClr val="000000"/>
                   </a:solidFill>
@@ -4501,7 +4501,7 @@
             </a:ln>
             <a:extLst>
               <a:ext uri="{91240B29-F687-4f45-9708-019B960494DF}">
-                <a14:hiddenLine xmlns:a14="http://schemas.microsoft.com/office/drawing/2010/main" xmlns="" w="9525">
+                <a14:hiddenLine xmlns="" xmlns:a14="http://schemas.microsoft.com/office/drawing/2010/main" w="9525">
                   <a:solidFill>
                     <a:srgbClr val="000000"/>
                   </a:solidFill>
@@ -4591,7 +4591,7 @@
             </a:ln>
             <a:extLst>
               <a:ext uri="{91240B29-F687-4f45-9708-019B960494DF}">
-                <a14:hiddenLine xmlns:a14="http://schemas.microsoft.com/office/drawing/2010/main" xmlns="" w="9525">
+                <a14:hiddenLine xmlns="" xmlns:a14="http://schemas.microsoft.com/office/drawing/2010/main" w="9525">
                   <a:solidFill>
                     <a:srgbClr val="000000"/>
                   </a:solidFill>
@@ -4653,7 +4653,7 @@
             </a:ln>
             <a:extLst>
               <a:ext uri="{91240B29-F687-4f45-9708-019B960494DF}">
-                <a14:hiddenLine xmlns:a14="http://schemas.microsoft.com/office/drawing/2010/main" xmlns="" w="9525">
+                <a14:hiddenLine xmlns="" xmlns:a14="http://schemas.microsoft.com/office/drawing/2010/main" w="9525">
                   <a:solidFill>
                     <a:srgbClr val="000000"/>
                   </a:solidFill>
@@ -4773,7 +4773,7 @@
             </a:ln>
             <a:extLst>
               <a:ext uri="{91240B29-F687-4f45-9708-019B960494DF}">
-                <a14:hiddenLine xmlns:a14="http://schemas.microsoft.com/office/drawing/2010/main" xmlns="" w="9525">
+                <a14:hiddenLine xmlns="" xmlns:a14="http://schemas.microsoft.com/office/drawing/2010/main" w="9525">
                   <a:solidFill>
                     <a:srgbClr val="000000"/>
                   </a:solidFill>
@@ -4841,7 +4841,7 @@
             </a:ln>
             <a:extLst>
               <a:ext uri="{91240B29-F687-4f45-9708-019B960494DF}">
-                <a14:hiddenLine xmlns:a14="http://schemas.microsoft.com/office/drawing/2010/main" xmlns="" w="9525">
+                <a14:hiddenLine xmlns="" xmlns:a14="http://schemas.microsoft.com/office/drawing/2010/main" w="9525">
                   <a:solidFill>
                     <a:srgbClr val="000000"/>
                   </a:solidFill>
@@ -4931,7 +4931,7 @@
             </a:ln>
             <a:extLst>
               <a:ext uri="{91240B29-F687-4f45-9708-019B960494DF}">
-                <a14:hiddenLine xmlns:a14="http://schemas.microsoft.com/office/drawing/2010/main" xmlns="" w="9525">
+                <a14:hiddenLine xmlns="" xmlns:a14="http://schemas.microsoft.com/office/drawing/2010/main" w="9525">
                   <a:solidFill>
                     <a:srgbClr val="000000"/>
                   </a:solidFill>
@@ -5071,7 +5071,7 @@
           <a:p>
             <a:fld id="{5C5881A0-21D8-440F-B7CA-637E1BE3F474}" type="datetime1">
               <a:rPr lang="en-US" smtClean="0"/>
-              <a:t>6/10/2025</a:t>
+              <a:t>6/11/2025</a:t>
             </a:fld>
             <a:endParaRPr lang="en-US"/>
           </a:p>
@@ -5341,7 +5341,7 @@
           <a:p>
             <a:fld id="{BC3EA0A3-E0A2-4C4F-8946-A013BE9711E7}" type="datetime1">
               <a:rPr lang="en-US" smtClean="0"/>
-              <a:t>6/10/2025</a:t>
+              <a:t>6/11/2025</a:t>
             </a:fld>
             <a:endParaRPr lang="en-US"/>
           </a:p>
@@ -5540,7 +5540,7 @@
           <a:p>
             <a:fld id="{4757CF9B-AE7B-4DD7-B944-91648BFBD57B}" type="datetime1">
               <a:rPr lang="en-US" smtClean="0"/>
-              <a:t>6/10/2025</a:t>
+              <a:t>6/11/2025</a:t>
             </a:fld>
             <a:endParaRPr lang="en-US"/>
           </a:p>
@@ -5806,7 +5806,7 @@
           <a:p>
             <a:fld id="{2A004FCB-0117-4BC5-843B-B8B43E431CA2}" type="datetime1">
               <a:rPr lang="en-US" smtClean="0"/>
-              <a:t>6/10/2025</a:t>
+              <a:t>6/11/2025</a:t>
             </a:fld>
             <a:endParaRPr lang="en-US"/>
           </a:p>
@@ -6243,7 +6243,7 @@
           <a:p>
             <a:fld id="{69E4527C-CA9F-4A6F-BCCD-C9AD8360B03A}" type="datetime1">
               <a:rPr lang="en-US" smtClean="0"/>
-              <a:t>6/10/2025</a:t>
+              <a:t>6/11/2025</a:t>
             </a:fld>
             <a:endParaRPr lang="en-US"/>
           </a:p>
@@ -6792,7 +6792,7 @@
           <a:p>
             <a:fld id="{319E2C5F-47ED-4B9D-A504-36A49DC7461A}" type="datetime1">
               <a:rPr lang="en-US" smtClean="0"/>
-              <a:t>6/10/2025</a:t>
+              <a:t>6/11/2025</a:t>
             </a:fld>
             <a:endParaRPr lang="en-US"/>
           </a:p>
@@ -7515,7 +7515,7 @@
           <a:p>
             <a:fld id="{6933C42D-69DE-4A73-BC52-FEC22232F886}" type="datetime1">
               <a:rPr lang="en-US" smtClean="0"/>
-              <a:t>6/10/2025</a:t>
+              <a:t>6/11/2025</a:t>
             </a:fld>
             <a:endParaRPr lang="en-US"/>
           </a:p>
@@ -7688,7 +7688,7 @@
           <a:p>
             <a:fld id="{11663D05-DED8-4E3E-848A-41077FC85CF0}" type="datetime1">
               <a:rPr lang="en-US" smtClean="0"/>
-              <a:t>6/10/2025</a:t>
+              <a:t>6/11/2025</a:t>
             </a:fld>
             <a:endParaRPr lang="en-US"/>
           </a:p>
@@ -7871,7 +7871,7 @@
           <a:p>
             <a:fld id="{8A53CB9F-133E-42E8-B6C3-A10809AEF763}" type="datetime1">
               <a:rPr lang="en-US" smtClean="0"/>
-              <a:t>6/10/2025</a:t>
+              <a:t>6/11/2025</a:t>
             </a:fld>
             <a:endParaRPr lang="en-US"/>
           </a:p>
@@ -8044,7 +8044,7 @@
           <a:p>
             <a:fld id="{D4223D3C-287F-4B2B-A3B4-1198AA3AFEB6}" type="datetime1">
               <a:rPr lang="en-US" smtClean="0"/>
-              <a:t>6/10/2025</a:t>
+              <a:t>6/11/2025</a:t>
             </a:fld>
             <a:endParaRPr lang="en-US"/>
           </a:p>
@@ -8297,7 +8297,7 @@
           <a:p>
             <a:fld id="{F11CDA45-96AD-4FD9-9085-20FEA09978A0}" type="datetime1">
               <a:rPr lang="en-US" smtClean="0"/>
-              <a:t>6/10/2025</a:t>
+              <a:t>6/11/2025</a:t>
             </a:fld>
             <a:endParaRPr lang="en-US"/>
           </a:p>
@@ -8532,7 +8532,7 @@
           <a:p>
             <a:fld id="{DA72FD13-8C18-49E0-9DBA-765DC3631146}" type="datetime1">
               <a:rPr lang="en-US" smtClean="0"/>
-              <a:t>6/10/2025</a:t>
+              <a:t>6/11/2025</a:t>
             </a:fld>
             <a:endParaRPr lang="en-US"/>
           </a:p>
@@ -8916,7 +8916,7 @@
           <a:p>
             <a:fld id="{39C7076C-C52F-43F5-9E87-7533E1A365A5}" type="datetime1">
               <a:rPr lang="en-US" smtClean="0"/>
-              <a:t>6/10/2025</a:t>
+              <a:t>6/11/2025</a:t>
             </a:fld>
             <a:endParaRPr lang="en-US"/>
           </a:p>
@@ -9037,7 +9037,7 @@
           <a:p>
             <a:fld id="{4C5FC6B9-0326-4041-87C6-CC9B4D09E9B2}" type="datetime1">
               <a:rPr lang="en-US" smtClean="0"/>
-              <a:t>6/10/2025</a:t>
+              <a:t>6/11/2025</a:t>
             </a:fld>
             <a:endParaRPr lang="en-US"/>
           </a:p>
@@ -9135,7 +9135,7 @@
           <a:p>
             <a:fld id="{2009B48E-4018-421C-8E4A-2143C4708A62}" type="datetime1">
               <a:rPr lang="en-US" smtClean="0"/>
-              <a:t>6/10/2025</a:t>
+              <a:t>6/11/2025</a:t>
             </a:fld>
             <a:endParaRPr lang="en-US"/>
           </a:p>
@@ -9387,7 +9387,7 @@
           <a:p>
             <a:fld id="{FEA16C14-A338-4EE7-8280-3A9171A5173E}" type="datetime1">
               <a:rPr lang="en-US" smtClean="0"/>
-              <a:t>6/10/2025</a:t>
+              <a:t>6/11/2025</a:t>
             </a:fld>
             <a:endParaRPr lang="en-US"/>
           </a:p>
@@ -9670,7 +9670,7 @@
           <a:p>
             <a:fld id="{440AFF0A-4855-4AAC-9DA2-AA694DA5C05D}" type="datetime1">
               <a:rPr lang="en-US" smtClean="0"/>
-              <a:t>6/10/2025</a:t>
+              <a:t>6/11/2025</a:t>
             </a:fld>
             <a:endParaRPr lang="en-US"/>
           </a:p>
@@ -9796,7 +9796,7 @@
           <a:noFill/>
           <a:extLst>
             <a:ext uri="{909E8E84-426E-40dd-AFC4-6F175D3DCCD1}">
-              <a14:hiddenFill xmlns:a14="http://schemas.microsoft.com/office/drawing/2010/main" xmlns="">
+              <a14:hiddenFill xmlns="" xmlns:a14="http://schemas.microsoft.com/office/drawing/2010/main">
                 <a:solidFill>
                   <a:srgbClr val="FFFFFF"/>
                 </a:solidFill>
@@ -9870,7 +9870,7 @@
               </a:ln>
               <a:extLst>
                 <a:ext uri="{91240B29-F687-4f45-9708-019B960494DF}">
-                  <a14:hiddenLine xmlns:a14="http://schemas.microsoft.com/office/drawing/2010/main" xmlns="" w="9525">
+                  <a14:hiddenLine xmlns="" xmlns:a14="http://schemas.microsoft.com/office/drawing/2010/main" w="9525">
                     <a:solidFill>
                       <a:srgbClr val="000000"/>
                     </a:solidFill>
@@ -9960,7 +9960,7 @@
               </a:ln>
               <a:extLst>
                 <a:ext uri="{91240B29-F687-4f45-9708-019B960494DF}">
-                  <a14:hiddenLine xmlns:a14="http://schemas.microsoft.com/office/drawing/2010/main" xmlns="" w="9525">
+                  <a14:hiddenLine xmlns="" xmlns:a14="http://schemas.microsoft.com/office/drawing/2010/main" w="9525">
                     <a:solidFill>
                       <a:srgbClr val="000000"/>
                     </a:solidFill>
@@ -10050,7 +10050,7 @@
               </a:ln>
               <a:extLst>
                 <a:ext uri="{91240B29-F687-4f45-9708-019B960494DF}">
-                  <a14:hiddenLine xmlns:a14="http://schemas.microsoft.com/office/drawing/2010/main" xmlns="" w="9525">
+                  <a14:hiddenLine xmlns="" xmlns:a14="http://schemas.microsoft.com/office/drawing/2010/main" w="9525">
                     <a:solidFill>
                       <a:srgbClr val="000000"/>
                     </a:solidFill>
@@ -10112,7 +10112,7 @@
               </a:ln>
               <a:extLst>
                 <a:ext uri="{91240B29-F687-4f45-9708-019B960494DF}">
-                  <a14:hiddenLine xmlns:a14="http://schemas.microsoft.com/office/drawing/2010/main" xmlns="" w="9525">
+                  <a14:hiddenLine xmlns="" xmlns:a14="http://schemas.microsoft.com/office/drawing/2010/main" w="9525">
                     <a:solidFill>
                       <a:srgbClr val="000000"/>
                     </a:solidFill>
@@ -10202,7 +10202,7 @@
               </a:ln>
               <a:extLst>
                 <a:ext uri="{91240B29-F687-4f45-9708-019B960494DF}">
-                  <a14:hiddenLine xmlns:a14="http://schemas.microsoft.com/office/drawing/2010/main" xmlns="" w="9525">
+                  <a14:hiddenLine xmlns="" xmlns:a14="http://schemas.microsoft.com/office/drawing/2010/main" w="9525">
                     <a:solidFill>
                       <a:srgbClr val="000000"/>
                     </a:solidFill>
@@ -10264,7 +10264,7 @@
               </a:ln>
               <a:extLst>
                 <a:ext uri="{91240B29-F687-4f45-9708-019B960494DF}">
-                  <a14:hiddenLine xmlns:a14="http://schemas.microsoft.com/office/drawing/2010/main" xmlns="" w="9525">
+                  <a14:hiddenLine xmlns="" xmlns:a14="http://schemas.microsoft.com/office/drawing/2010/main" w="9525">
                     <a:solidFill>
                       <a:srgbClr val="000000"/>
                     </a:solidFill>
@@ -10326,7 +10326,7 @@
               </a:ln>
               <a:extLst>
                 <a:ext uri="{91240B29-F687-4f45-9708-019B960494DF}">
-                  <a14:hiddenLine xmlns:a14="http://schemas.microsoft.com/office/drawing/2010/main" xmlns="" w="9525">
+                  <a14:hiddenLine xmlns="" xmlns:a14="http://schemas.microsoft.com/office/drawing/2010/main" w="9525">
                     <a:solidFill>
                       <a:srgbClr val="000000"/>
                     </a:solidFill>
@@ -10416,7 +10416,7 @@
               </a:ln>
               <a:extLst>
                 <a:ext uri="{91240B29-F687-4f45-9708-019B960494DF}">
-                  <a14:hiddenLine xmlns:a14="http://schemas.microsoft.com/office/drawing/2010/main" xmlns="" w="9525">
+                  <a14:hiddenLine xmlns="" xmlns:a14="http://schemas.microsoft.com/office/drawing/2010/main" w="9525">
                     <a:solidFill>
                       <a:srgbClr val="000000"/>
                     </a:solidFill>
@@ -10506,7 +10506,7 @@
               </a:ln>
               <a:extLst>
                 <a:ext uri="{91240B29-F687-4f45-9708-019B960494DF}">
-                  <a14:hiddenLine xmlns:a14="http://schemas.microsoft.com/office/drawing/2010/main" xmlns="" w="9525">
+                  <a14:hiddenLine xmlns="" xmlns:a14="http://schemas.microsoft.com/office/drawing/2010/main" w="9525">
                     <a:solidFill>
                       <a:srgbClr val="000000"/>
                     </a:solidFill>
@@ -10568,7 +10568,7 @@
               </a:ln>
               <a:extLst>
                 <a:ext uri="{91240B29-F687-4f45-9708-019B960494DF}">
-                  <a14:hiddenLine xmlns:a14="http://schemas.microsoft.com/office/drawing/2010/main" xmlns="" w="9525">
+                  <a14:hiddenLine xmlns="" xmlns:a14="http://schemas.microsoft.com/office/drawing/2010/main" w="9525">
                     <a:solidFill>
                       <a:srgbClr val="000000"/>
                     </a:solidFill>
@@ -10678,7 +10678,7 @@
               </a:ln>
               <a:extLst>
                 <a:ext uri="{91240B29-F687-4f45-9708-019B960494DF}">
-                  <a14:hiddenLine xmlns:a14="http://schemas.microsoft.com/office/drawing/2010/main" xmlns="" w="9525">
+                  <a14:hiddenLine xmlns="" xmlns:a14="http://schemas.microsoft.com/office/drawing/2010/main" w="9525">
                     <a:solidFill>
                       <a:srgbClr val="000000"/>
                     </a:solidFill>
@@ -10762,7 +10762,7 @@
               </a:ln>
               <a:extLst>
                 <a:ext uri="{91240B29-F687-4f45-9708-019B960494DF}">
-                  <a14:hiddenLine xmlns:a14="http://schemas.microsoft.com/office/drawing/2010/main" xmlns="" w="9525">
+                  <a14:hiddenLine xmlns="" xmlns:a14="http://schemas.microsoft.com/office/drawing/2010/main" w="9525">
                     <a:solidFill>
                       <a:srgbClr val="000000"/>
                     </a:solidFill>
@@ -10824,7 +10824,7 @@
               </a:ln>
               <a:extLst>
                 <a:ext uri="{91240B29-F687-4f45-9708-019B960494DF}">
-                  <a14:hiddenLine xmlns:a14="http://schemas.microsoft.com/office/drawing/2010/main" xmlns="" w="9525">
+                  <a14:hiddenLine xmlns="" xmlns:a14="http://schemas.microsoft.com/office/drawing/2010/main" w="9525">
                     <a:solidFill>
                       <a:srgbClr val="000000"/>
                     </a:solidFill>
@@ -10886,7 +10886,7 @@
               </a:ln>
               <a:extLst>
                 <a:ext uri="{91240B29-F687-4f45-9708-019B960494DF}">
-                  <a14:hiddenLine xmlns:a14="http://schemas.microsoft.com/office/drawing/2010/main" xmlns="" w="9525">
+                  <a14:hiddenLine xmlns="" xmlns:a14="http://schemas.microsoft.com/office/drawing/2010/main" w="9525">
                     <a:solidFill>
                       <a:srgbClr val="000000"/>
                     </a:solidFill>
@@ -10976,7 +10976,7 @@
               </a:ln>
               <a:extLst>
                 <a:ext uri="{91240B29-F687-4f45-9708-019B960494DF}">
-                  <a14:hiddenLine xmlns:a14="http://schemas.microsoft.com/office/drawing/2010/main" xmlns="" w="9525">
+                  <a14:hiddenLine xmlns="" xmlns:a14="http://schemas.microsoft.com/office/drawing/2010/main" w="9525">
                     <a:solidFill>
                       <a:srgbClr val="000000"/>
                     </a:solidFill>
@@ -11010,7 +11010,7 @@
               </a:ln>
               <a:extLst>
                 <a:ext uri="{91240B29-F687-4f45-9708-019B960494DF}">
-                  <a14:hiddenLine xmlns:a14="http://schemas.microsoft.com/office/drawing/2010/main" xmlns="" w="9525">
+                  <a14:hiddenLine xmlns="" xmlns:a14="http://schemas.microsoft.com/office/drawing/2010/main" w="9525">
                     <a:solidFill>
                       <a:srgbClr val="000000"/>
                     </a:solidFill>
@@ -11075,7 +11075,7 @@
               </a:ln>
               <a:extLst>
                 <a:ext uri="{91240B29-F687-4f45-9708-019B960494DF}">
-                  <a14:hiddenLine xmlns:a14="http://schemas.microsoft.com/office/drawing/2010/main" xmlns="" w="9525">
+                  <a14:hiddenLine xmlns="" xmlns:a14="http://schemas.microsoft.com/office/drawing/2010/main" w="9525">
                     <a:solidFill>
                       <a:srgbClr val="000000"/>
                     </a:solidFill>
@@ -11165,7 +11165,7 @@
               </a:ln>
               <a:extLst>
                 <a:ext uri="{91240B29-F687-4f45-9708-019B960494DF}">
-                  <a14:hiddenLine xmlns:a14="http://schemas.microsoft.com/office/drawing/2010/main" xmlns="" w="9525">
+                  <a14:hiddenLine xmlns="" xmlns:a14="http://schemas.microsoft.com/office/drawing/2010/main" w="9525">
                     <a:solidFill>
                       <a:srgbClr val="000000"/>
                     </a:solidFill>
@@ -11227,7 +11227,7 @@
               </a:ln>
               <a:extLst>
                 <a:ext uri="{91240B29-F687-4f45-9708-019B960494DF}">
-                  <a14:hiddenLine xmlns:a14="http://schemas.microsoft.com/office/drawing/2010/main" xmlns="" w="9525">
+                  <a14:hiddenLine xmlns="" xmlns:a14="http://schemas.microsoft.com/office/drawing/2010/main" w="9525">
                     <a:solidFill>
                       <a:srgbClr val="000000"/>
                     </a:solidFill>
@@ -11317,7 +11317,7 @@
               </a:ln>
               <a:extLst>
                 <a:ext uri="{91240B29-F687-4f45-9708-019B960494DF}">
-                  <a14:hiddenLine xmlns:a14="http://schemas.microsoft.com/office/drawing/2010/main" xmlns="" w="9525">
+                  <a14:hiddenLine xmlns="" xmlns:a14="http://schemas.microsoft.com/office/drawing/2010/main" w="9525">
                     <a:solidFill>
                       <a:srgbClr val="000000"/>
                     </a:solidFill>
@@ -11382,7 +11382,7 @@
               </a:ln>
               <a:extLst>
                 <a:ext uri="{91240B29-F687-4f45-9708-019B960494DF}">
-                  <a14:hiddenLine xmlns:a14="http://schemas.microsoft.com/office/drawing/2010/main" xmlns="" w="9525">
+                  <a14:hiddenLine xmlns="" xmlns:a14="http://schemas.microsoft.com/office/drawing/2010/main" w="9525">
                     <a:solidFill>
                       <a:srgbClr val="000000"/>
                     </a:solidFill>
@@ -11444,7 +11444,7 @@
               </a:ln>
               <a:extLst>
                 <a:ext uri="{91240B29-F687-4f45-9708-019B960494DF}">
-                  <a14:hiddenLine xmlns:a14="http://schemas.microsoft.com/office/drawing/2010/main" xmlns="" w="9525">
+                  <a14:hiddenLine xmlns="" xmlns:a14="http://schemas.microsoft.com/office/drawing/2010/main" w="9525">
                     <a:solidFill>
                       <a:srgbClr val="000000"/>
                     </a:solidFill>
@@ -11534,7 +11534,7 @@
               </a:ln>
               <a:extLst>
                 <a:ext uri="{91240B29-F687-4f45-9708-019B960494DF}">
-                  <a14:hiddenLine xmlns:a14="http://schemas.microsoft.com/office/drawing/2010/main" xmlns="" w="9525">
+                  <a14:hiddenLine xmlns="" xmlns:a14="http://schemas.microsoft.com/office/drawing/2010/main" w="9525">
                     <a:solidFill>
                       <a:srgbClr val="000000"/>
                     </a:solidFill>
@@ -11624,7 +11624,7 @@
               </a:ln>
               <a:extLst>
                 <a:ext uri="{91240B29-F687-4f45-9708-019B960494DF}">
-                  <a14:hiddenLine xmlns:a14="http://schemas.microsoft.com/office/drawing/2010/main" xmlns="" w="9525">
+                  <a14:hiddenLine xmlns="" xmlns:a14="http://schemas.microsoft.com/office/drawing/2010/main" w="9525">
                     <a:solidFill>
                       <a:srgbClr val="000000"/>
                     </a:solidFill>
@@ -11689,7 +11689,7 @@
               </a:ln>
               <a:extLst>
                 <a:ext uri="{91240B29-F687-4f45-9708-019B960494DF}">
-                  <a14:hiddenLine xmlns:a14="http://schemas.microsoft.com/office/drawing/2010/main" xmlns="" w="9525">
+                  <a14:hiddenLine xmlns="" xmlns:a14="http://schemas.microsoft.com/office/drawing/2010/main" w="9525">
                     <a:solidFill>
                       <a:srgbClr val="000000"/>
                     </a:solidFill>
@@ -11809,7 +11809,7 @@
               </a:ln>
               <a:extLst>
                 <a:ext uri="{91240B29-F687-4f45-9708-019B960494DF}">
-                  <a14:hiddenLine xmlns:a14="http://schemas.microsoft.com/office/drawing/2010/main" xmlns="" w="9525">
+                  <a14:hiddenLine xmlns="" xmlns:a14="http://schemas.microsoft.com/office/drawing/2010/main" w="9525">
                     <a:solidFill>
                       <a:srgbClr val="000000"/>
                     </a:solidFill>
@@ -11890,7 +11890,7 @@
               </a:ln>
               <a:extLst>
                 <a:ext uri="{91240B29-F687-4f45-9708-019B960494DF}">
-                  <a14:hiddenLine xmlns:a14="http://schemas.microsoft.com/office/drawing/2010/main" xmlns="" w="9525">
+                  <a14:hiddenLine xmlns="" xmlns:a14="http://schemas.microsoft.com/office/drawing/2010/main" w="9525">
                     <a:solidFill>
                       <a:srgbClr val="000000"/>
                     </a:solidFill>
@@ -12005,7 +12005,7 @@
               </a:ln>
               <a:extLst>
                 <a:ext uri="{91240B29-F687-4f45-9708-019B960494DF}">
-                  <a14:hiddenLine xmlns:a14="http://schemas.microsoft.com/office/drawing/2010/main" xmlns="" w="9525">
+                  <a14:hiddenLine xmlns="" xmlns:a14="http://schemas.microsoft.com/office/drawing/2010/main" w="9525">
                     <a:solidFill>
                       <a:srgbClr val="000000"/>
                     </a:solidFill>
@@ -12095,7 +12095,7 @@
               </a:ln>
               <a:extLst>
                 <a:ext uri="{91240B29-F687-4f45-9708-019B960494DF}">
-                  <a14:hiddenLine xmlns:a14="http://schemas.microsoft.com/office/drawing/2010/main" xmlns="" w="9525">
+                  <a14:hiddenLine xmlns="" xmlns:a14="http://schemas.microsoft.com/office/drawing/2010/main" w="9525">
                     <a:solidFill>
                       <a:srgbClr val="000000"/>
                     </a:solidFill>
@@ -12160,7 +12160,7 @@
               </a:ln>
               <a:extLst>
                 <a:ext uri="{91240B29-F687-4f45-9708-019B960494DF}">
-                  <a14:hiddenLine xmlns:a14="http://schemas.microsoft.com/office/drawing/2010/main" xmlns="" w="9525">
+                  <a14:hiddenLine xmlns="" xmlns:a14="http://schemas.microsoft.com/office/drawing/2010/main" w="9525">
                     <a:solidFill>
                       <a:srgbClr val="000000"/>
                     </a:solidFill>
@@ -12250,7 +12250,7 @@
               </a:ln>
               <a:extLst>
                 <a:ext uri="{91240B29-F687-4f45-9708-019B960494DF}">
-                  <a14:hiddenLine xmlns:a14="http://schemas.microsoft.com/office/drawing/2010/main" xmlns="" w="9525">
+                  <a14:hiddenLine xmlns="" xmlns:a14="http://schemas.microsoft.com/office/drawing/2010/main" w="9525">
                     <a:solidFill>
                       <a:srgbClr val="000000"/>
                     </a:solidFill>
@@ -12318,7 +12318,7 @@
               </a:ln>
               <a:extLst>
                 <a:ext uri="{91240B29-F687-4f45-9708-019B960494DF}">
-                  <a14:hiddenLine xmlns:a14="http://schemas.microsoft.com/office/drawing/2010/main" xmlns="" w="9525">
+                  <a14:hiddenLine xmlns="" xmlns:a14="http://schemas.microsoft.com/office/drawing/2010/main" w="9525">
                     <a:solidFill>
                       <a:srgbClr val="000000"/>
                     </a:solidFill>
@@ -12408,7 +12408,7 @@
               </a:ln>
               <a:extLst>
                 <a:ext uri="{91240B29-F687-4f45-9708-019B960494DF}">
-                  <a14:hiddenLine xmlns:a14="http://schemas.microsoft.com/office/drawing/2010/main" xmlns="" w="9525">
+                  <a14:hiddenLine xmlns="" xmlns:a14="http://schemas.microsoft.com/office/drawing/2010/main" w="9525">
                     <a:solidFill>
                       <a:srgbClr val="000000"/>
                     </a:solidFill>
@@ -12476,7 +12476,7 @@
               </a:ln>
               <a:extLst>
                 <a:ext uri="{91240B29-F687-4f45-9708-019B960494DF}">
-                  <a14:hiddenLine xmlns:a14="http://schemas.microsoft.com/office/drawing/2010/main" xmlns="" w="9525">
+                  <a14:hiddenLine xmlns="" xmlns:a14="http://schemas.microsoft.com/office/drawing/2010/main" w="9525">
                     <a:solidFill>
                       <a:srgbClr val="000000"/>
                     </a:solidFill>
@@ -12566,7 +12566,7 @@
               </a:ln>
               <a:extLst>
                 <a:ext uri="{91240B29-F687-4f45-9708-019B960494DF}">
-                  <a14:hiddenLine xmlns:a14="http://schemas.microsoft.com/office/drawing/2010/main" xmlns="" w="9525">
+                  <a14:hiddenLine xmlns="" xmlns:a14="http://schemas.microsoft.com/office/drawing/2010/main" w="9525">
                     <a:solidFill>
                       <a:srgbClr val="000000"/>
                     </a:solidFill>
@@ -12600,7 +12600,7 @@
               </a:ln>
               <a:extLst>
                 <a:ext uri="{91240B29-F687-4f45-9708-019B960494DF}">
-                  <a14:hiddenLine xmlns:a14="http://schemas.microsoft.com/office/drawing/2010/main" xmlns="" w="9525">
+                  <a14:hiddenLine xmlns="" xmlns:a14="http://schemas.microsoft.com/office/drawing/2010/main" w="9525">
                     <a:solidFill>
                       <a:srgbClr val="000000"/>
                     </a:solidFill>
@@ -12740,7 +12740,7 @@
           <a:p>
             <a:fld id="{D430F30A-C5E9-450B-BF8A-B138B8760FA4}" type="datetime1">
               <a:rPr lang="en-US" smtClean="0"/>
-              <a:t>6/10/2025</a:t>
+              <a:t>6/11/2025</a:t>
             </a:fld>
             <a:endParaRPr lang="en-US"/>
           </a:p>
@@ -44119,7 +44119,7 @@
           <a:lstStyle/>
           <a:p>
             <a:r>
-              <a:rPr lang="en-US"/>
+              <a:rPr lang="en-US" dirty="0"/>
               <a:t>Hanke Matěj</a:t>
             </a:r>
           </a:p>
@@ -44284,7 +44284,7 @@
         <p:spPr>
           <a:xfrm>
             <a:off x="1217611" y="1895563"/>
-            <a:ext cx="3963989" cy="4247317"/>
+            <a:ext cx="4307426" cy="4247317"/>
           </a:xfrm>
           <a:prstGeom prst="rect">
             <a:avLst/>
@@ -44320,7 +44320,15 @@
             </a:pPr>
             <a:r>
               <a:rPr lang="cs-CZ" dirty="0"/>
-              <a:t>Je nutno podotknout že registry jsou umístěny v ALU pouze pro jednoduchost a jsou zde vyobrazeny pouze dva. </a:t>
+              <a:t>Je nutno podotknout že registry jsou umístěny v ALU pouze pro jednoduchost a jsou zde vyobrazeny pouze dva</a:t>
+            </a:r>
+            <a:r>
+              <a:rPr lang="en-US" dirty="0"/>
+              <a:t> a </a:t>
+            </a:r>
+            <a:r>
+              <a:rPr lang="cs-CZ" dirty="0"/>
+              <a:t>že již v OP jsou instrukce v podobě strojového kódu. </a:t>
             </a:r>
           </a:p>
           <a:p>
@@ -45098,7 +45106,7 @@
         <p:spPr>
           <a:xfrm>
             <a:off x="1217612" y="1895563"/>
-            <a:ext cx="3566056" cy="3416320"/>
+            <a:ext cx="3566056" cy="2862322"/>
           </a:xfrm>
           <a:prstGeom prst="rect">
             <a:avLst/>
@@ -45117,7 +45125,15 @@
             </a:pPr>
             <a:r>
               <a:rPr lang="cs-CZ" dirty="0"/>
-              <a:t>Tato instrukce se dále dekóduje na strojový kód, zde reprezentován hexadecimálním číslem a předá se do ALU.</a:t>
+              <a:t>Tato instrukce se dále dekóduje</a:t>
+            </a:r>
+            <a:r>
+              <a:rPr lang="en-US" dirty="0"/>
+              <a:t> </a:t>
+            </a:r>
+            <a:r>
+              <a:rPr lang="cs-CZ" dirty="0"/>
+              <a:t>a „předá“ se do ALU.</a:t>
             </a:r>
           </a:p>
           <a:p>
